--- a/User Guide for Temp Loger.pptx
+++ b/User Guide for Temp Loger.pptx
@@ -264,7 +264,7 @@
           <a:p>
             <a:fld id="{CCC5F0DB-48FF-4368-BDB6-0860BF039D84}" type="datetimeFigureOut">
               <a:rPr lang="ko-KR" altLang="en-US" smtClean="0"/>
-              <a:t>2023-01-03</a:t>
+              <a:t>2023-01-04</a:t>
             </a:fld>
             <a:endParaRPr lang="ko-KR" altLang="en-US"/>
           </a:p>
@@ -462,7 +462,7 @@
           <a:p>
             <a:fld id="{CCC5F0DB-48FF-4368-BDB6-0860BF039D84}" type="datetimeFigureOut">
               <a:rPr lang="ko-KR" altLang="en-US" smtClean="0"/>
-              <a:t>2023-01-03</a:t>
+              <a:t>2023-01-04</a:t>
             </a:fld>
             <a:endParaRPr lang="ko-KR" altLang="en-US"/>
           </a:p>
@@ -670,7 +670,7 @@
           <a:p>
             <a:fld id="{CCC5F0DB-48FF-4368-BDB6-0860BF039D84}" type="datetimeFigureOut">
               <a:rPr lang="ko-KR" altLang="en-US" smtClean="0"/>
-              <a:t>2023-01-03</a:t>
+              <a:t>2023-01-04</a:t>
             </a:fld>
             <a:endParaRPr lang="ko-KR" altLang="en-US"/>
           </a:p>
@@ -868,7 +868,7 @@
           <a:p>
             <a:fld id="{CCC5F0DB-48FF-4368-BDB6-0860BF039D84}" type="datetimeFigureOut">
               <a:rPr lang="ko-KR" altLang="en-US" smtClean="0"/>
-              <a:t>2023-01-03</a:t>
+              <a:t>2023-01-04</a:t>
             </a:fld>
             <a:endParaRPr lang="ko-KR" altLang="en-US"/>
           </a:p>
@@ -1143,7 +1143,7 @@
           <a:p>
             <a:fld id="{CCC5F0DB-48FF-4368-BDB6-0860BF039D84}" type="datetimeFigureOut">
               <a:rPr lang="ko-KR" altLang="en-US" smtClean="0"/>
-              <a:t>2023-01-03</a:t>
+              <a:t>2023-01-04</a:t>
             </a:fld>
             <a:endParaRPr lang="ko-KR" altLang="en-US"/>
           </a:p>
@@ -1408,7 +1408,7 @@
           <a:p>
             <a:fld id="{CCC5F0DB-48FF-4368-BDB6-0860BF039D84}" type="datetimeFigureOut">
               <a:rPr lang="ko-KR" altLang="en-US" smtClean="0"/>
-              <a:t>2023-01-03</a:t>
+              <a:t>2023-01-04</a:t>
             </a:fld>
             <a:endParaRPr lang="ko-KR" altLang="en-US"/>
           </a:p>
@@ -1820,7 +1820,7 @@
           <a:p>
             <a:fld id="{CCC5F0DB-48FF-4368-BDB6-0860BF039D84}" type="datetimeFigureOut">
               <a:rPr lang="ko-KR" altLang="en-US" smtClean="0"/>
-              <a:t>2023-01-03</a:t>
+              <a:t>2023-01-04</a:t>
             </a:fld>
             <a:endParaRPr lang="ko-KR" altLang="en-US"/>
           </a:p>
@@ -1961,7 +1961,7 @@
           <a:p>
             <a:fld id="{CCC5F0DB-48FF-4368-BDB6-0860BF039D84}" type="datetimeFigureOut">
               <a:rPr lang="ko-KR" altLang="en-US" smtClean="0"/>
-              <a:t>2023-01-03</a:t>
+              <a:t>2023-01-04</a:t>
             </a:fld>
             <a:endParaRPr lang="ko-KR" altLang="en-US"/>
           </a:p>
@@ -2074,7 +2074,7 @@
           <a:p>
             <a:fld id="{CCC5F0DB-48FF-4368-BDB6-0860BF039D84}" type="datetimeFigureOut">
               <a:rPr lang="ko-KR" altLang="en-US" smtClean="0"/>
-              <a:t>2023-01-03</a:t>
+              <a:t>2023-01-04</a:t>
             </a:fld>
             <a:endParaRPr lang="ko-KR" altLang="en-US"/>
           </a:p>
@@ -2385,7 +2385,7 @@
           <a:p>
             <a:fld id="{CCC5F0DB-48FF-4368-BDB6-0860BF039D84}" type="datetimeFigureOut">
               <a:rPr lang="ko-KR" altLang="en-US" smtClean="0"/>
-              <a:t>2023-01-03</a:t>
+              <a:t>2023-01-04</a:t>
             </a:fld>
             <a:endParaRPr lang="ko-KR" altLang="en-US"/>
           </a:p>
@@ -2673,7 +2673,7 @@
           <a:p>
             <a:fld id="{CCC5F0DB-48FF-4368-BDB6-0860BF039D84}" type="datetimeFigureOut">
               <a:rPr lang="ko-KR" altLang="en-US" smtClean="0"/>
-              <a:t>2023-01-03</a:t>
+              <a:t>2023-01-04</a:t>
             </a:fld>
             <a:endParaRPr lang="ko-KR" altLang="en-US"/>
           </a:p>
@@ -2914,7 +2914,7 @@
           <a:p>
             <a:fld id="{CCC5F0DB-48FF-4368-BDB6-0860BF039D84}" type="datetimeFigureOut">
               <a:rPr lang="ko-KR" altLang="en-US" smtClean="0"/>
-              <a:t>2023-01-03</a:t>
+              <a:t>2023-01-04</a:t>
             </a:fld>
             <a:endParaRPr lang="ko-KR" altLang="en-US"/>
           </a:p>
@@ -4732,7 +4732,7 @@
         <p:spPr>
           <a:xfrm>
             <a:off x="1055716" y="1690688"/>
-            <a:ext cx="9833957" cy="2585323"/>
+            <a:ext cx="9833957" cy="1754326"/>
           </a:xfrm>
           <a:prstGeom prst="rect">
             <a:avLst/>
@@ -4745,134 +4745,6 @@
           </a:bodyPr>
           <a:lstStyle/>
           <a:p>
-            <a:pPr marL="342900" indent="-342900">
-              <a:buAutoNum type="arabicPeriod"/>
-            </a:pPr>
-            <a:r>
-              <a:rPr lang="en-US" altLang="ko-KR" dirty="0">
-                <a:solidFill>
-                  <a:srgbClr val="FF0000"/>
-                </a:solidFill>
-              </a:rPr>
-              <a:t>20</a:t>
-            </a:r>
-            <a:r>
-              <a:rPr lang="ko-KR" altLang="en-US" dirty="0">
-                <a:solidFill>
-                  <a:srgbClr val="FF0000"/>
-                </a:solidFill>
-              </a:rPr>
-              <a:t>초 내에 </a:t>
-            </a:r>
-            <a:r>
-              <a:rPr lang="en-US" altLang="ko-KR" dirty="0">
-                <a:solidFill>
-                  <a:srgbClr val="FF0000"/>
-                </a:solidFill>
-              </a:rPr>
-              <a:t>Wi-Fi </a:t>
-            </a:r>
-            <a:r>
-              <a:rPr lang="ko-KR" altLang="en-US" dirty="0">
-                <a:solidFill>
-                  <a:srgbClr val="FF0000"/>
-                </a:solidFill>
-              </a:rPr>
-              <a:t>연결에 실패한 경우</a:t>
-            </a:r>
-            <a:r>
-              <a:rPr lang="en-US" altLang="ko-KR" dirty="0">
-                <a:solidFill>
-                  <a:srgbClr val="FF0000"/>
-                </a:solidFill>
-              </a:rPr>
-              <a:t>, ESP8266</a:t>
-            </a:r>
-            <a:r>
-              <a:rPr lang="ko-KR" altLang="en-US" dirty="0">
-                <a:solidFill>
-                  <a:srgbClr val="FF0000"/>
-                </a:solidFill>
-              </a:rPr>
-              <a:t>은 자동으로 </a:t>
-            </a:r>
-            <a:r>
-              <a:rPr lang="en-US" altLang="ko-KR" dirty="0">
-                <a:solidFill>
-                  <a:srgbClr val="FF0000"/>
-                </a:solidFill>
-              </a:rPr>
-              <a:t>Wi-Fi </a:t>
-            </a:r>
-            <a:r>
-              <a:rPr lang="ko-KR" altLang="en-US" dirty="0">
-                <a:solidFill>
-                  <a:srgbClr val="FF0000"/>
-                </a:solidFill>
-              </a:rPr>
-              <a:t>연결정보 초기화 과정</a:t>
-            </a:r>
-            <a:r>
-              <a:rPr lang="en-US" altLang="ko-KR" dirty="0">
-                <a:solidFill>
-                  <a:srgbClr val="FF0000"/>
-                </a:solidFill>
-              </a:rPr>
-              <a:t>(step1)</a:t>
-            </a:r>
-            <a:r>
-              <a:rPr lang="ko-KR" altLang="en-US" dirty="0">
-                <a:solidFill>
-                  <a:srgbClr val="FF0000"/>
-                </a:solidFill>
-              </a:rPr>
-              <a:t>을 수행합니다</a:t>
-            </a:r>
-            <a:r>
-              <a:rPr lang="en-US" altLang="ko-KR" dirty="0">
-                <a:solidFill>
-                  <a:srgbClr val="FF0000"/>
-                </a:solidFill>
-              </a:rPr>
-              <a:t>. </a:t>
-            </a:r>
-            <a:r>
-              <a:rPr lang="ko-KR" altLang="en-US" dirty="0">
-                <a:solidFill>
-                  <a:srgbClr val="FF0000"/>
-                </a:solidFill>
-              </a:rPr>
-              <a:t>만약 동작이 정상적으로 되지 않는 경우</a:t>
-            </a:r>
-            <a:r>
-              <a:rPr lang="en-US" altLang="ko-KR" dirty="0">
-                <a:solidFill>
-                  <a:srgbClr val="FF0000"/>
-                </a:solidFill>
-              </a:rPr>
-              <a:t>, Wi-Fi </a:t>
-            </a:r>
-            <a:r>
-              <a:rPr lang="ko-KR" altLang="en-US" dirty="0">
-                <a:solidFill>
-                  <a:srgbClr val="FF0000"/>
-                </a:solidFill>
-              </a:rPr>
-              <a:t>연결정보가 초기화 된 것은 아닌지 점검하시기 바랍니다</a:t>
-            </a:r>
-            <a:r>
-              <a:rPr lang="en-US" altLang="ko-KR" dirty="0">
-                <a:solidFill>
-                  <a:srgbClr val="FF0000"/>
-                </a:solidFill>
-              </a:rPr>
-              <a:t>.</a:t>
-            </a:r>
-          </a:p>
-          <a:p>
-            <a:pPr marL="342900" indent="-342900">
-              <a:buAutoNum type="arabicPeriod"/>
-            </a:pPr>
             <a:endParaRPr lang="en-US" altLang="ko-KR" dirty="0"/>
           </a:p>
           <a:p>
